--- a/Presentations/SHAD.pptx
+++ b/Presentations/SHAD.pptx
@@ -5,7 +5,7 @@
     <p:sldMasterId id="2147483648" r:id="rId1"/>
   </p:sldMasterIdLst>
   <p:sldIdLst>
-    <p:sldId id="256" r:id="rId2"/>
+    <p:sldId id="258" r:id="rId2"/>
   </p:sldIdLst>
   <p:sldSz cx="12192000" cy="6858000"/>
   <p:notesSz cx="6858000" cy="9144000"/>
@@ -104,6 +104,11 @@
       </a:defRPr>
     </a:lvl9pPr>
   </p:defaultTextStyle>
+  <p:extLst>
+    <p:ext uri="{EFAFB233-063F-42B5-8137-9DF3F51BA10A}">
+      <p15:sldGuideLst xmlns:p15="http://schemas.microsoft.com/office/powerpoint/2012/main"/>
+    </p:ext>
+  </p:extLst>
 </p:presentation>
 </file>
 
@@ -3309,7 +3314,13 @@
   <p:cSld>
     <p:spTree>
       <p:nvGrpSpPr>
-        <p:cNvPr id="1" name=""/>
+        <p:cNvPr id="1" name="">
+          <a:extLst>
+            <a:ext uri="{FF2B5EF4-FFF2-40B4-BE49-F238E27FC236}">
+              <a16:creationId xmlns:a16="http://schemas.microsoft.com/office/drawing/2014/main" id="{496420BE-9BE8-5C10-3F8F-25B2E76ADE20}"/>
+            </a:ext>
+          </a:extLst>
+        </p:cNvPr>
         <p:cNvGrpSpPr/>
         <p:nvPr/>
       </p:nvGrpSpPr>
@@ -3321,10 +3332,147 @@
           <a:chExt cx="0" cy="0"/>
         </a:xfrm>
       </p:grpSpPr>
+      <p:grpSp>
+        <p:nvGrpSpPr>
+          <p:cNvPr id="7" name="Group 6">
+            <a:extLst>
+              <a:ext uri="{FF2B5EF4-FFF2-40B4-BE49-F238E27FC236}">
+                <a16:creationId xmlns:a16="http://schemas.microsoft.com/office/drawing/2014/main" id="{01BB0C2C-D41E-F580-0458-1F5DB51C09B0}"/>
+              </a:ext>
+            </a:extLst>
+          </p:cNvPr>
+          <p:cNvGrpSpPr/>
+          <p:nvPr/>
+        </p:nvGrpSpPr>
+        <p:grpSpPr>
+          <a:xfrm>
+            <a:off x="1558656" y="359182"/>
+            <a:ext cx="9074687" cy="6139636"/>
+            <a:chOff x="1273041" y="718364"/>
+            <a:chExt cx="9074687" cy="6139636"/>
+          </a:xfrm>
+        </p:grpSpPr>
+        <p:pic>
+          <p:nvPicPr>
+            <p:cNvPr id="2" name="Picture 1">
+              <a:extLst>
+                <a:ext uri="{FF2B5EF4-FFF2-40B4-BE49-F238E27FC236}">
+                  <a16:creationId xmlns:a16="http://schemas.microsoft.com/office/drawing/2014/main" id="{5170F5CF-7DC2-47E1-8E0B-206D70B35866}"/>
+                </a:ext>
+              </a:extLst>
+            </p:cNvPr>
+            <p:cNvPicPr>
+              <a:picLocks noChangeAspect="1"/>
+            </p:cNvPicPr>
+            <p:nvPr/>
+          </p:nvPicPr>
+          <p:blipFill>
+            <a:blip r:embed="rId2"/>
+            <a:srcRect/>
+            <a:stretch/>
+          </p:blipFill>
+          <p:spPr>
+            <a:xfrm>
+              <a:off x="1273041" y="718364"/>
+              <a:ext cx="4527512" cy="3240000"/>
+            </a:xfrm>
+            <a:prstGeom prst="rect">
+              <a:avLst/>
+            </a:prstGeom>
+          </p:spPr>
+        </p:pic>
+        <p:pic>
+          <p:nvPicPr>
+            <p:cNvPr id="3" name="Picture 2">
+              <a:extLst>
+                <a:ext uri="{FF2B5EF4-FFF2-40B4-BE49-F238E27FC236}">
+                  <a16:creationId xmlns:a16="http://schemas.microsoft.com/office/drawing/2014/main" id="{F17E8BE8-CB0D-C922-4DE6-0A4F2D2D008B}"/>
+                </a:ext>
+              </a:extLst>
+            </p:cNvPr>
+            <p:cNvPicPr>
+              <a:picLocks noChangeAspect="1"/>
+            </p:cNvPicPr>
+            <p:nvPr/>
+          </p:nvPicPr>
+          <p:blipFill>
+            <a:blip r:embed="rId3"/>
+            <a:srcRect/>
+            <a:stretch/>
+          </p:blipFill>
+          <p:spPr>
+            <a:xfrm>
+              <a:off x="5814700" y="718364"/>
+              <a:ext cx="4518164" cy="3240000"/>
+            </a:xfrm>
+            <a:prstGeom prst="rect">
+              <a:avLst/>
+            </a:prstGeom>
+          </p:spPr>
+        </p:pic>
+        <p:pic>
+          <p:nvPicPr>
+            <p:cNvPr id="4" name="Picture 3">
+              <a:extLst>
+                <a:ext uri="{FF2B5EF4-FFF2-40B4-BE49-F238E27FC236}">
+                  <a16:creationId xmlns:a16="http://schemas.microsoft.com/office/drawing/2014/main" id="{F63F9A75-1C35-AE2F-80D2-DF87077660DF}"/>
+                </a:ext>
+              </a:extLst>
+            </p:cNvPr>
+            <p:cNvPicPr>
+              <a:picLocks noChangeAspect="1"/>
+            </p:cNvPicPr>
+            <p:nvPr/>
+          </p:nvPicPr>
+          <p:blipFill>
+            <a:blip r:embed="rId4"/>
+            <a:srcRect/>
+            <a:stretch/>
+          </p:blipFill>
+          <p:spPr>
+            <a:xfrm>
+              <a:off x="1273041" y="3618000"/>
+              <a:ext cx="4541659" cy="3240000"/>
+            </a:xfrm>
+            <a:prstGeom prst="rect">
+              <a:avLst/>
+            </a:prstGeom>
+          </p:spPr>
+        </p:pic>
+        <p:pic>
+          <p:nvPicPr>
+            <p:cNvPr id="5" name="Picture 4">
+              <a:extLst>
+                <a:ext uri="{FF2B5EF4-FFF2-40B4-BE49-F238E27FC236}">
+                  <a16:creationId xmlns:a16="http://schemas.microsoft.com/office/drawing/2014/main" id="{A2D2C581-501B-E964-9CBA-2D88F0F6B405}"/>
+                </a:ext>
+              </a:extLst>
+            </p:cNvPr>
+            <p:cNvPicPr>
+              <a:picLocks noChangeAspect="1"/>
+            </p:cNvPicPr>
+            <p:nvPr/>
+          </p:nvPicPr>
+          <p:blipFill>
+            <a:blip r:embed="rId5"/>
+            <a:srcRect/>
+            <a:stretch/>
+          </p:blipFill>
+          <p:spPr>
+            <a:xfrm>
+              <a:off x="5814700" y="3618000"/>
+              <a:ext cx="4533028" cy="3240000"/>
+            </a:xfrm>
+            <a:prstGeom prst="rect">
+              <a:avLst/>
+            </a:prstGeom>
+          </p:spPr>
+        </p:pic>
+      </p:grpSp>
     </p:spTree>
     <p:extLst>
       <p:ext uri="{BB962C8B-B14F-4D97-AF65-F5344CB8AC3E}">
-        <p14:creationId xmlns:p14="http://schemas.microsoft.com/office/powerpoint/2010/main" val="2889625647"/>
+        <p14:creationId xmlns:p14="http://schemas.microsoft.com/office/powerpoint/2010/main" val="1139316360"/>
       </p:ext>
     </p:extLst>
   </p:cSld>

--- a/Presentations/SHAD.pptx
+++ b/Presentations/SHAD.pptx
@@ -5,7 +5,9 @@
     <p:sldMasterId id="2147483648" r:id="rId1"/>
   </p:sldMasterIdLst>
   <p:sldIdLst>
-    <p:sldId id="258" r:id="rId2"/>
+    <p:sldId id="259" r:id="rId2"/>
+    <p:sldId id="260" r:id="rId3"/>
+    <p:sldId id="261" r:id="rId4"/>
   </p:sldIdLst>
   <p:sldSz cx="12192000" cy="6858000"/>
   <p:notesSz cx="6858000" cy="9144000"/>
@@ -3312,12 +3314,535 @@
 <file path=ppt/slides/slide1.xml><?xml version="1.0" encoding="utf-8"?>
 <p:sld xmlns:a="http://schemas.openxmlformats.org/drawingml/2006/main" xmlns:r="http://schemas.openxmlformats.org/officeDocument/2006/relationships" xmlns:p="http://schemas.openxmlformats.org/presentationml/2006/main">
   <p:cSld>
+    <p:bg>
+      <p:bgPr>
+        <a:solidFill>
+          <a:schemeClr val="bg1"/>
+        </a:solidFill>
+        <a:effectLst/>
+      </p:bgPr>
+    </p:bg>
+    <p:spTree>
+      <p:nvGrpSpPr>
+        <p:cNvPr id="1" name=""/>
+        <p:cNvGrpSpPr/>
+        <p:nvPr/>
+      </p:nvGrpSpPr>
+      <p:grpSpPr>
+        <a:xfrm>
+          <a:off x="0" y="0"/>
+          <a:ext cx="0" cy="0"/>
+          <a:chOff x="0" y="0"/>
+          <a:chExt cx="0" cy="0"/>
+        </a:xfrm>
+      </p:grpSpPr>
+      <p:grpSp>
+        <p:nvGrpSpPr>
+          <p:cNvPr id="20" name="Group 19">
+            <a:extLst>
+              <a:ext uri="{FF2B5EF4-FFF2-40B4-BE49-F238E27FC236}">
+                <a16:creationId xmlns:a16="http://schemas.microsoft.com/office/drawing/2014/main" id="{DC67B522-B3D5-8A1E-2B8E-A6D1BCFDD843}"/>
+              </a:ext>
+            </a:extLst>
+          </p:cNvPr>
+          <p:cNvGrpSpPr>
+            <a:grpSpLocks noChangeAspect="1"/>
+          </p:cNvGrpSpPr>
+          <p:nvPr/>
+        </p:nvGrpSpPr>
+        <p:grpSpPr>
+          <a:xfrm>
+            <a:off x="0" y="3484131"/>
+            <a:ext cx="10115194" cy="3357549"/>
+            <a:chOff x="30829" y="3330000"/>
+            <a:chExt cx="10054908" cy="3337538"/>
+          </a:xfrm>
+        </p:grpSpPr>
+        <p:pic>
+          <p:nvPicPr>
+            <p:cNvPr id="3" name="Picture 2" descr="A graph with dots and lines&#10;&#10;AI-generated content may be incorrect.">
+              <a:extLst>
+                <a:ext uri="{FF2B5EF4-FFF2-40B4-BE49-F238E27FC236}">
+                  <a16:creationId xmlns:a16="http://schemas.microsoft.com/office/drawing/2014/main" id="{FC7B94DB-41F7-283A-7F59-A4EA401DCBD8}"/>
+                </a:ext>
+              </a:extLst>
+            </p:cNvPr>
+            <p:cNvPicPr>
+              <a:picLocks noChangeAspect="1"/>
+            </p:cNvPicPr>
+            <p:nvPr/>
+          </p:nvPicPr>
+          <p:blipFill>
+            <a:blip r:embed="rId2"/>
+            <a:srcRect b="5398"/>
+            <a:stretch>
+              <a:fillRect/>
+            </a:stretch>
+          </p:blipFill>
+          <p:spPr>
+            <a:xfrm>
+              <a:off x="30829" y="3330000"/>
+              <a:ext cx="4934269" cy="3337538"/>
+            </a:xfrm>
+            <a:prstGeom prst="rect">
+              <a:avLst/>
+            </a:prstGeom>
+          </p:spPr>
+        </p:pic>
+        <p:pic>
+          <p:nvPicPr>
+            <p:cNvPr id="7" name="Picture 6" descr="A graph with dots and lines&#10;&#10;AI-generated content may be incorrect.">
+              <a:extLst>
+                <a:ext uri="{FF2B5EF4-FFF2-40B4-BE49-F238E27FC236}">
+                  <a16:creationId xmlns:a16="http://schemas.microsoft.com/office/drawing/2014/main" id="{1457875C-DE1A-7D65-975F-8B0434928E0F}"/>
+                </a:ext>
+              </a:extLst>
+            </p:cNvPr>
+            <p:cNvPicPr>
+              <a:picLocks noChangeAspect="1"/>
+            </p:cNvPicPr>
+            <p:nvPr/>
+          </p:nvPicPr>
+          <p:blipFill>
+            <a:blip r:embed="rId3"/>
+            <a:srcRect b="5398"/>
+            <a:stretch>
+              <a:fillRect/>
+            </a:stretch>
+          </p:blipFill>
+          <p:spPr>
+            <a:xfrm>
+              <a:off x="5151469" y="3330000"/>
+              <a:ext cx="4934268" cy="3337538"/>
+            </a:xfrm>
+            <a:prstGeom prst="rect">
+              <a:avLst/>
+            </a:prstGeom>
+          </p:spPr>
+        </p:pic>
+      </p:grpSp>
+      <p:sp>
+        <p:nvSpPr>
+          <p:cNvPr id="9" name="Rectangle 8">
+            <a:extLst>
+              <a:ext uri="{FF2B5EF4-FFF2-40B4-BE49-F238E27FC236}">
+                <a16:creationId xmlns:a16="http://schemas.microsoft.com/office/drawing/2014/main" id="{50A30DCD-D13D-7CA9-7CA3-09187A989E87}"/>
+              </a:ext>
+            </a:extLst>
+          </p:cNvPr>
+          <p:cNvSpPr/>
+          <p:nvPr/>
+        </p:nvSpPr>
+        <p:spPr>
+          <a:xfrm>
+            <a:off x="0" y="0"/>
+            <a:ext cx="12192000" cy="914400"/>
+          </a:xfrm>
+          <a:prstGeom prst="rect">
+            <a:avLst/>
+          </a:prstGeom>
+          <a:solidFill>
+            <a:srgbClr val="EB647E"/>
+          </a:solidFill>
+          <a:ln>
+            <a:solidFill>
+              <a:srgbClr val="EB647E"/>
+            </a:solidFill>
+          </a:ln>
+        </p:spPr>
+        <p:style>
+          <a:lnRef idx="2">
+            <a:schemeClr val="accent1">
+              <a:shade val="15000"/>
+            </a:schemeClr>
+          </a:lnRef>
+          <a:fillRef idx="1">
+            <a:schemeClr val="accent1"/>
+          </a:fillRef>
+          <a:effectRef idx="0">
+            <a:schemeClr val="accent1"/>
+          </a:effectRef>
+          <a:fontRef idx="minor">
+            <a:schemeClr val="lt1"/>
+          </a:fontRef>
+        </p:style>
+        <p:txBody>
+          <a:bodyPr rtlCol="0" anchor="ctr"/>
+          <a:lstStyle/>
+          <a:p>
+            <a:pPr algn="ctr"/>
+            <a:endParaRPr lang="en-US"/>
+          </a:p>
+        </p:txBody>
+      </p:sp>
+      <p:sp>
+        <p:nvSpPr>
+          <p:cNvPr id="11" name="TextBox 10">
+            <a:extLst>
+              <a:ext uri="{FF2B5EF4-FFF2-40B4-BE49-F238E27FC236}">
+                <a16:creationId xmlns:a16="http://schemas.microsoft.com/office/drawing/2014/main" id="{66909730-D38A-24A6-B9DF-817282D07F58}"/>
+              </a:ext>
+            </a:extLst>
+          </p:cNvPr>
+          <p:cNvSpPr txBox="1"/>
+          <p:nvPr/>
+        </p:nvSpPr>
+        <p:spPr>
+          <a:xfrm>
+            <a:off x="1965167" y="0"/>
+            <a:ext cx="8261665" cy="984885"/>
+          </a:xfrm>
+          <a:prstGeom prst="rect">
+            <a:avLst/>
+          </a:prstGeom>
+          <a:noFill/>
+        </p:spPr>
+        <p:txBody>
+          <a:bodyPr wrap="square" rtlCol="0">
+            <a:spAutoFit/>
+          </a:bodyPr>
+          <a:lstStyle/>
+          <a:p>
+            <a:pPr algn="ctr"/>
+            <a:r>
+              <a:rPr lang="en-US" b="1" dirty="0">
+                <a:solidFill>
+                  <a:schemeClr val="bg1"/>
+                </a:solidFill>
+                <a:latin typeface="Trebuchet MS" panose="020B0703020202090204" pitchFamily="34" charset="0"/>
+              </a:rPr>
+              <a:t>Acute Stress Decreases Activity of Appetite Regulating Neurons in the Female</a:t>
+            </a:r>
+            <a:r>
+              <a:rPr lang="en-US" b="1" dirty="0">
+                <a:latin typeface="Trebuchet MS" panose="020B0703020202090204" pitchFamily="34" charset="0"/>
+              </a:rPr>
+              <a:t> </a:t>
+            </a:r>
+            <a:r>
+              <a:rPr lang="en-US" b="1" dirty="0">
+                <a:solidFill>
+                  <a:schemeClr val="bg1"/>
+                </a:solidFill>
+                <a:latin typeface="Trebuchet MS" panose="020B0703020202090204" pitchFamily="34" charset="0"/>
+              </a:rPr>
+              <a:t>Rat</a:t>
+            </a:r>
+            <a:r>
+              <a:rPr lang="en-US" b="1" dirty="0">
+                <a:latin typeface="Trebuchet MS" panose="020B0703020202090204" pitchFamily="34" charset="0"/>
+              </a:rPr>
+              <a:t> </a:t>
+            </a:r>
+            <a:r>
+              <a:rPr lang="en-US" b="1" dirty="0">
+                <a:solidFill>
+                  <a:schemeClr val="bg1"/>
+                </a:solidFill>
+                <a:latin typeface="Trebuchet MS" panose="020B0703020202090204" pitchFamily="34" charset="0"/>
+              </a:rPr>
+              <a:t>Dorsomedial Hypothalamus</a:t>
+            </a:r>
+          </a:p>
+          <a:p>
+            <a:pPr algn="ctr"/>
+            <a:r>
+              <a:rPr lang="en-US" sz="1000" dirty="0">
+                <a:solidFill>
+                  <a:schemeClr val="bg1"/>
+                </a:solidFill>
+                <a:latin typeface="Trebuchet MS" panose="020B0703020202090204" pitchFamily="34" charset="0"/>
+              </a:rPr>
+              <a:t>Ruby Muzzatti, Dr Karen Crosby</a:t>
+            </a:r>
+          </a:p>
+          <a:p>
+            <a:pPr algn="ctr"/>
+            <a:r>
+              <a:rPr lang="en-US" sz="1000" dirty="0">
+                <a:solidFill>
+                  <a:schemeClr val="bg1"/>
+                </a:solidFill>
+                <a:latin typeface="Trebuchet MS" panose="020B0703020202090204" pitchFamily="34" charset="0"/>
+              </a:rPr>
+              <a:t>Department of Biology, Mount Allison University, Sackville, New Brunswick, Canada</a:t>
+            </a:r>
+          </a:p>
+        </p:txBody>
+      </p:sp>
+      <p:pic>
+        <p:nvPicPr>
+          <p:cNvPr id="14" name="Picture 13">
+            <a:extLst>
+              <a:ext uri="{FF2B5EF4-FFF2-40B4-BE49-F238E27FC236}">
+                <a16:creationId xmlns:a16="http://schemas.microsoft.com/office/drawing/2014/main" id="{502FB873-0BC1-CB5F-10B6-B8B9E6A0EC65}"/>
+              </a:ext>
+            </a:extLst>
+          </p:cNvPr>
+          <p:cNvPicPr>
+            <a:picLocks noChangeAspect="1"/>
+          </p:cNvPicPr>
+          <p:nvPr/>
+        </p:nvPicPr>
+        <p:blipFill>
+          <a:blip r:embed="rId4"/>
+          <a:stretch>
+            <a:fillRect/>
+          </a:stretch>
+        </p:blipFill>
+        <p:spPr>
+          <a:xfrm>
+            <a:off x="10273504" y="71451"/>
+            <a:ext cx="1798599" cy="770400"/>
+          </a:xfrm>
+          <a:prstGeom prst="rect">
+            <a:avLst/>
+          </a:prstGeom>
+        </p:spPr>
+      </p:pic>
+      <p:pic>
+        <p:nvPicPr>
+          <p:cNvPr id="15" name="Picture 14">
+            <a:extLst>
+              <a:ext uri="{FF2B5EF4-FFF2-40B4-BE49-F238E27FC236}">
+                <a16:creationId xmlns:a16="http://schemas.microsoft.com/office/drawing/2014/main" id="{59274CC1-7BCE-B7AB-D5F1-ADBB55B5D53F}"/>
+              </a:ext>
+            </a:extLst>
+          </p:cNvPr>
+          <p:cNvPicPr>
+            <a:picLocks noChangeAspect="1"/>
+          </p:cNvPicPr>
+          <p:nvPr/>
+        </p:nvPicPr>
+        <p:blipFill>
+          <a:blip r:embed="rId5"/>
+          <a:stretch>
+            <a:fillRect/>
+          </a:stretch>
+        </p:blipFill>
+        <p:spPr>
+          <a:xfrm>
+            <a:off x="270354" y="71451"/>
+            <a:ext cx="1177859" cy="771498"/>
+          </a:xfrm>
+          <a:prstGeom prst="rect">
+            <a:avLst/>
+          </a:prstGeom>
+        </p:spPr>
+      </p:pic>
+      <p:pic>
+        <p:nvPicPr>
+          <p:cNvPr id="22" name="Picture 21" descr="A diagram of a brain&#10;&#10;AI-generated content may be incorrect.">
+            <a:extLst>
+              <a:ext uri="{FF2B5EF4-FFF2-40B4-BE49-F238E27FC236}">
+                <a16:creationId xmlns:a16="http://schemas.microsoft.com/office/drawing/2014/main" id="{B863BC6F-5BCA-AC6A-3C4E-AE986659ED87}"/>
+              </a:ext>
+            </a:extLst>
+          </p:cNvPr>
+          <p:cNvPicPr>
+            <a:picLocks noChangeAspect="1"/>
+          </p:cNvPicPr>
+          <p:nvPr/>
+        </p:nvPicPr>
+        <p:blipFill>
+          <a:blip r:embed="rId6"/>
+          <a:stretch>
+            <a:fillRect/>
+          </a:stretch>
+        </p:blipFill>
+        <p:spPr>
+          <a:xfrm>
+            <a:off x="230809" y="1002796"/>
+            <a:ext cx="4502234" cy="2482925"/>
+          </a:xfrm>
+          <a:prstGeom prst="rect">
+            <a:avLst/>
+          </a:prstGeom>
+        </p:spPr>
+      </p:pic>
+      <p:sp>
+        <p:nvSpPr>
+          <p:cNvPr id="29" name="TextBox 28">
+            <a:extLst>
+              <a:ext uri="{FF2B5EF4-FFF2-40B4-BE49-F238E27FC236}">
+                <a16:creationId xmlns:a16="http://schemas.microsoft.com/office/drawing/2014/main" id="{CF1C0F9C-185E-B4C8-9938-8B481C1DC36D}"/>
+              </a:ext>
+            </a:extLst>
+          </p:cNvPr>
+          <p:cNvSpPr txBox="1"/>
+          <p:nvPr/>
+        </p:nvSpPr>
+        <p:spPr>
+          <a:xfrm>
+            <a:off x="9925574" y="3482662"/>
+            <a:ext cx="2035617" cy="923330"/>
+          </a:xfrm>
+          <a:prstGeom prst="rect">
+            <a:avLst/>
+          </a:prstGeom>
+          <a:noFill/>
+        </p:spPr>
+        <p:txBody>
+          <a:bodyPr wrap="square" rtlCol="0">
+            <a:spAutoFit/>
+          </a:bodyPr>
+          <a:lstStyle/>
+          <a:p>
+            <a:pPr algn="ctr"/>
+            <a:r>
+              <a:rPr lang="en-US" sz="900" dirty="0">
+                <a:solidFill>
+                  <a:schemeClr val="tx1">
+                    <a:lumMod val="65000"/>
+                    <a:lumOff val="35000"/>
+                  </a:schemeClr>
+                </a:solidFill>
+                <a:latin typeface="Trebuchet MS" panose="020B0703020202090204" pitchFamily="34" charset="0"/>
+              </a:rPr>
+              <a:t>All experiments were performed according to </a:t>
+            </a:r>
+            <a:r>
+              <a:rPr lang="en-US" sz="900" b="1" dirty="0">
+                <a:solidFill>
+                  <a:schemeClr val="tx1">
+                    <a:lumMod val="65000"/>
+                    <a:lumOff val="35000"/>
+                  </a:schemeClr>
+                </a:solidFill>
+                <a:latin typeface="Trebuchet MS" panose="020B0703020202090204" pitchFamily="34" charset="0"/>
+              </a:rPr>
+              <a:t>protocol #104140 </a:t>
+            </a:r>
+            <a:r>
+              <a:rPr lang="en-US" sz="900" dirty="0">
+                <a:solidFill>
+                  <a:schemeClr val="tx1">
+                    <a:lumMod val="65000"/>
+                    <a:lumOff val="35000"/>
+                  </a:schemeClr>
+                </a:solidFill>
+                <a:latin typeface="Trebuchet MS" panose="020B0703020202090204" pitchFamily="34" charset="0"/>
+              </a:rPr>
+              <a:t>approved by the  </a:t>
+            </a:r>
+            <a:r>
+              <a:rPr lang="en-US" sz="900" b="1" dirty="0">
+                <a:solidFill>
+                  <a:schemeClr val="tx1">
+                    <a:lumMod val="65000"/>
+                    <a:lumOff val="35000"/>
+                  </a:schemeClr>
+                </a:solidFill>
+                <a:latin typeface="Trebuchet MS" panose="020B0703020202090204" pitchFamily="34" charset="0"/>
+              </a:rPr>
+              <a:t>Mount Allison University Animal Care Committee </a:t>
+            </a:r>
+            <a:r>
+              <a:rPr lang="en-US" sz="900" dirty="0">
+                <a:solidFill>
+                  <a:schemeClr val="tx1">
+                    <a:lumMod val="65000"/>
+                    <a:lumOff val="35000"/>
+                  </a:schemeClr>
+                </a:solidFill>
+                <a:latin typeface="Trebuchet MS" panose="020B0703020202090204" pitchFamily="34" charset="0"/>
+              </a:rPr>
+              <a:t>in accordance with the </a:t>
+            </a:r>
+            <a:r>
+              <a:rPr lang="en-US" sz="900" b="1" dirty="0">
+                <a:solidFill>
+                  <a:schemeClr val="tx1">
+                    <a:lumMod val="65000"/>
+                    <a:lumOff val="35000"/>
+                  </a:schemeClr>
+                </a:solidFill>
+                <a:latin typeface="Trebuchet MS" panose="020B0703020202090204" pitchFamily="34" charset="0"/>
+              </a:rPr>
+              <a:t>Canadian Council on Animal Care Guidelines</a:t>
+            </a:r>
+            <a:endParaRPr lang="en-US" sz="900" b="1" baseline="30000" dirty="0">
+              <a:solidFill>
+                <a:schemeClr val="tx1">
+                  <a:lumMod val="65000"/>
+                  <a:lumOff val="35000"/>
+                </a:schemeClr>
+              </a:solidFill>
+              <a:latin typeface="Trebuchet MS" panose="020B0703020202090204" pitchFamily="34" charset="0"/>
+            </a:endParaRPr>
+          </a:p>
+        </p:txBody>
+      </p:sp>
+      <p:pic>
+        <p:nvPicPr>
+          <p:cNvPr id="30" name="Picture 29" descr="A close-up of a grey and pink image&#10;&#10;AI-generated content may be incorrect.">
+            <a:extLst>
+              <a:ext uri="{FF2B5EF4-FFF2-40B4-BE49-F238E27FC236}">
+                <a16:creationId xmlns:a16="http://schemas.microsoft.com/office/drawing/2014/main" id="{B840FD4C-1756-F75D-EAFE-9789CA32DF87}"/>
+              </a:ext>
+            </a:extLst>
+          </p:cNvPr>
+          <p:cNvPicPr>
+            <a:picLocks noChangeAspect="1"/>
+          </p:cNvPicPr>
+          <p:nvPr/>
+        </p:nvPicPr>
+        <p:blipFill>
+          <a:blip r:embed="rId7" cstate="print">
+            <a:extLst>
+              <a:ext uri="{28A0092B-C50C-407E-A947-70E740481C1C}">
+                <a14:useLocalDpi xmlns:a14="http://schemas.microsoft.com/office/drawing/2010/main" val="0"/>
+              </a:ext>
+            </a:extLst>
+          </a:blip>
+          <a:srcRect l="2802" t="2943" r="1685" b="3666"/>
+          <a:stretch>
+            <a:fillRect/>
+          </a:stretch>
+        </p:blipFill>
+        <p:spPr>
+          <a:xfrm>
+            <a:off x="5052488" y="1056336"/>
+            <a:ext cx="6688141" cy="2372665"/>
+          </a:xfrm>
+          <a:prstGeom prst="rect">
+            <a:avLst/>
+          </a:prstGeom>
+          <a:ln w="9525">
+            <a:noFill/>
+          </a:ln>
+        </p:spPr>
+      </p:pic>
+    </p:spTree>
+    <p:extLst>
+      <p:ext uri="{BB962C8B-B14F-4D97-AF65-F5344CB8AC3E}">
+        <p14:creationId xmlns:p14="http://schemas.microsoft.com/office/powerpoint/2010/main" val="1011803019"/>
+      </p:ext>
+    </p:extLst>
+  </p:cSld>
+  <p:clrMapOvr>
+    <a:masterClrMapping/>
+  </p:clrMapOvr>
+</p:sld>
+</file>
+
+<file path=ppt/slides/slide2.xml><?xml version="1.0" encoding="utf-8"?>
+<p:sld xmlns:a="http://schemas.openxmlformats.org/drawingml/2006/main" xmlns:r="http://schemas.openxmlformats.org/officeDocument/2006/relationships" xmlns:p="http://schemas.openxmlformats.org/presentationml/2006/main">
+  <p:cSld>
+    <p:bg>
+      <p:bgPr>
+        <a:solidFill>
+          <a:schemeClr val="bg1"/>
+        </a:solidFill>
+        <a:effectLst/>
+      </p:bgPr>
+    </p:bg>
     <p:spTree>
       <p:nvGrpSpPr>
         <p:cNvPr id="1" name="">
           <a:extLst>
             <a:ext uri="{FF2B5EF4-FFF2-40B4-BE49-F238E27FC236}">
-              <a16:creationId xmlns:a16="http://schemas.microsoft.com/office/drawing/2014/main" id="{496420BE-9BE8-5C10-3F8F-25B2E76ADE20}"/>
+              <a16:creationId xmlns:a16="http://schemas.microsoft.com/office/drawing/2014/main" id="{020FEB44-C2ED-ED0A-D76B-09E1B678240E}"/>
             </a:ext>
           </a:extLst>
         </p:cNvPr>
@@ -3334,30 +3859,32 @@
       </p:grpSpPr>
       <p:grpSp>
         <p:nvGrpSpPr>
-          <p:cNvPr id="7" name="Group 6">
-            <a:extLst>
-              <a:ext uri="{FF2B5EF4-FFF2-40B4-BE49-F238E27FC236}">
-                <a16:creationId xmlns:a16="http://schemas.microsoft.com/office/drawing/2014/main" id="{01BB0C2C-D41E-F580-0458-1F5DB51C09B0}"/>
-              </a:ext>
-            </a:extLst>
-          </p:cNvPr>
-          <p:cNvGrpSpPr/>
+          <p:cNvPr id="20" name="Group 19">
+            <a:extLst>
+              <a:ext uri="{FF2B5EF4-FFF2-40B4-BE49-F238E27FC236}">
+                <a16:creationId xmlns:a16="http://schemas.microsoft.com/office/drawing/2014/main" id="{A5568819-2DC1-A508-E0F8-3CC8AC95BF3D}"/>
+              </a:ext>
+            </a:extLst>
+          </p:cNvPr>
+          <p:cNvGrpSpPr>
+            <a:grpSpLocks noChangeAspect="1"/>
+          </p:cNvGrpSpPr>
           <p:nvPr/>
         </p:nvGrpSpPr>
         <p:grpSpPr>
           <a:xfrm>
-            <a:off x="1558656" y="359182"/>
-            <a:ext cx="9074687" cy="6139636"/>
-            <a:chOff x="1273041" y="718364"/>
-            <a:chExt cx="9074687" cy="6139636"/>
+            <a:off x="759998" y="3429000"/>
+            <a:ext cx="10115194" cy="3357549"/>
+            <a:chOff x="30829" y="3330000"/>
+            <a:chExt cx="10054908" cy="3337538"/>
           </a:xfrm>
         </p:grpSpPr>
         <p:pic>
           <p:nvPicPr>
-            <p:cNvPr id="2" name="Picture 1">
+            <p:cNvPr id="3" name="Picture 2" descr="A graph with dots and lines&#10;&#10;AI-generated content may be incorrect.">
               <a:extLst>
                 <a:ext uri="{FF2B5EF4-FFF2-40B4-BE49-F238E27FC236}">
-                  <a16:creationId xmlns:a16="http://schemas.microsoft.com/office/drawing/2014/main" id="{5170F5CF-7DC2-47E1-8E0B-206D70B35866}"/>
+                  <a16:creationId xmlns:a16="http://schemas.microsoft.com/office/drawing/2014/main" id="{D185BAA4-BBB2-7A8A-E96E-3C4431461B3D}"/>
                 </a:ext>
               </a:extLst>
             </p:cNvPr>
@@ -3368,13 +3895,15 @@
           </p:nvPicPr>
           <p:blipFill>
             <a:blip r:embed="rId2"/>
-            <a:srcRect/>
-            <a:stretch/>
+            <a:srcRect b="5398"/>
+            <a:stretch>
+              <a:fillRect/>
+            </a:stretch>
           </p:blipFill>
           <p:spPr>
             <a:xfrm>
-              <a:off x="1273041" y="718364"/>
-              <a:ext cx="4527512" cy="3240000"/>
+              <a:off x="30829" y="3330000"/>
+              <a:ext cx="4934269" cy="3337538"/>
             </a:xfrm>
             <a:prstGeom prst="rect">
               <a:avLst/>
@@ -3383,10 +3912,10 @@
         </p:pic>
         <p:pic>
           <p:nvPicPr>
-            <p:cNvPr id="3" name="Picture 2">
+            <p:cNvPr id="7" name="Picture 6" descr="A graph with dots and lines&#10;&#10;AI-generated content may be incorrect.">
               <a:extLst>
                 <a:ext uri="{FF2B5EF4-FFF2-40B4-BE49-F238E27FC236}">
-                  <a16:creationId xmlns:a16="http://schemas.microsoft.com/office/drawing/2014/main" id="{F17E8BE8-CB0D-C922-4DE6-0A4F2D2D008B}"/>
+                  <a16:creationId xmlns:a16="http://schemas.microsoft.com/office/drawing/2014/main" id="{BD95D71F-C523-272C-A45C-CA9644E9BCB1}"/>
                 </a:ext>
               </a:extLst>
             </p:cNvPr>
@@ -3397,25 +3926,293 @@
           </p:nvPicPr>
           <p:blipFill>
             <a:blip r:embed="rId3"/>
-            <a:srcRect/>
-            <a:stretch/>
+            <a:srcRect b="5398"/>
+            <a:stretch>
+              <a:fillRect/>
+            </a:stretch>
           </p:blipFill>
           <p:spPr>
             <a:xfrm>
-              <a:off x="5814700" y="718364"/>
-              <a:ext cx="4518164" cy="3240000"/>
+              <a:off x="5151469" y="3330000"/>
+              <a:ext cx="4934268" cy="3337538"/>
             </a:xfrm>
             <a:prstGeom prst="rect">
               <a:avLst/>
             </a:prstGeom>
           </p:spPr>
         </p:pic>
+      </p:grpSp>
+      <p:sp>
+        <p:nvSpPr>
+          <p:cNvPr id="11" name="TextBox 10">
+            <a:extLst>
+              <a:ext uri="{FF2B5EF4-FFF2-40B4-BE49-F238E27FC236}">
+                <a16:creationId xmlns:a16="http://schemas.microsoft.com/office/drawing/2014/main" id="{C1A3362B-6878-1C72-910B-F341628FC04C}"/>
+              </a:ext>
+            </a:extLst>
+          </p:cNvPr>
+          <p:cNvSpPr txBox="1"/>
+          <p:nvPr/>
+        </p:nvSpPr>
+        <p:spPr>
+          <a:xfrm>
+            <a:off x="1965167" y="0"/>
+            <a:ext cx="8261665" cy="984885"/>
+          </a:xfrm>
+          <a:prstGeom prst="rect">
+            <a:avLst/>
+          </a:prstGeom>
+          <a:noFill/>
+        </p:spPr>
+        <p:txBody>
+          <a:bodyPr wrap="square" rtlCol="0">
+            <a:spAutoFit/>
+          </a:bodyPr>
+          <a:lstStyle/>
+          <a:p>
+            <a:pPr algn="ctr"/>
+            <a:r>
+              <a:rPr lang="en-US" b="1" dirty="0">
+                <a:solidFill>
+                  <a:schemeClr val="bg1"/>
+                </a:solidFill>
+                <a:latin typeface="Trebuchet MS" panose="020B0703020202090204" pitchFamily="34" charset="0"/>
+              </a:rPr>
+              <a:t>Acute Stress Decreases Activity of Appetite Regulating Neurons in the Female</a:t>
+            </a:r>
+            <a:r>
+              <a:rPr lang="en-US" b="1" dirty="0">
+                <a:latin typeface="Trebuchet MS" panose="020B0703020202090204" pitchFamily="34" charset="0"/>
+              </a:rPr>
+              <a:t> </a:t>
+            </a:r>
+            <a:r>
+              <a:rPr lang="en-US" b="1" dirty="0">
+                <a:solidFill>
+                  <a:schemeClr val="bg1"/>
+                </a:solidFill>
+                <a:latin typeface="Trebuchet MS" panose="020B0703020202090204" pitchFamily="34" charset="0"/>
+              </a:rPr>
+              <a:t>Rat</a:t>
+            </a:r>
+            <a:r>
+              <a:rPr lang="en-US" b="1" dirty="0">
+                <a:latin typeface="Trebuchet MS" panose="020B0703020202090204" pitchFamily="34" charset="0"/>
+              </a:rPr>
+              <a:t> </a:t>
+            </a:r>
+            <a:r>
+              <a:rPr lang="en-US" b="1" dirty="0">
+                <a:solidFill>
+                  <a:schemeClr val="bg1"/>
+                </a:solidFill>
+                <a:latin typeface="Trebuchet MS" panose="020B0703020202090204" pitchFamily="34" charset="0"/>
+              </a:rPr>
+              <a:t>Dorsomedial Hypothalamus</a:t>
+            </a:r>
+          </a:p>
+          <a:p>
+            <a:pPr algn="ctr"/>
+            <a:r>
+              <a:rPr lang="en-US" sz="1000" dirty="0">
+                <a:solidFill>
+                  <a:schemeClr val="bg1"/>
+                </a:solidFill>
+                <a:latin typeface="Trebuchet MS" panose="020B0703020202090204" pitchFamily="34" charset="0"/>
+              </a:rPr>
+              <a:t>Ruby Muzzatti, Dr Karen Crosby</a:t>
+            </a:r>
+          </a:p>
+          <a:p>
+            <a:pPr algn="ctr"/>
+            <a:r>
+              <a:rPr lang="en-US" sz="1000" dirty="0">
+                <a:solidFill>
+                  <a:schemeClr val="bg1"/>
+                </a:solidFill>
+                <a:latin typeface="Trebuchet MS" panose="020B0703020202090204" pitchFamily="34" charset="0"/>
+              </a:rPr>
+              <a:t>Department of Biology, Mount Allison University, Sackville, New Brunswick, Canada</a:t>
+            </a:r>
+          </a:p>
+        </p:txBody>
+      </p:sp>
+      <p:pic>
+        <p:nvPicPr>
+          <p:cNvPr id="22" name="Picture 21" descr="A diagram of a brain&#10;&#10;AI-generated content may be incorrect.">
+            <a:extLst>
+              <a:ext uri="{FF2B5EF4-FFF2-40B4-BE49-F238E27FC236}">
+                <a16:creationId xmlns:a16="http://schemas.microsoft.com/office/drawing/2014/main" id="{DA5AA7B5-49BF-64F5-3037-0247365AD205}"/>
+              </a:ext>
+            </a:extLst>
+          </p:cNvPr>
+          <p:cNvPicPr>
+            <a:picLocks noChangeAspect="1"/>
+          </p:cNvPicPr>
+          <p:nvPr/>
+        </p:nvPicPr>
+        <p:blipFill>
+          <a:blip r:embed="rId4"/>
+          <a:stretch>
+            <a:fillRect/>
+          </a:stretch>
+        </p:blipFill>
+        <p:spPr>
+          <a:xfrm>
+            <a:off x="608462" y="336363"/>
+            <a:ext cx="4502234" cy="2482925"/>
+          </a:xfrm>
+          <a:prstGeom prst="rect">
+            <a:avLst/>
+          </a:prstGeom>
+        </p:spPr>
+      </p:pic>
+      <p:pic>
+        <p:nvPicPr>
+          <p:cNvPr id="2" name="Picture 1">
+            <a:extLst>
+              <a:ext uri="{FF2B5EF4-FFF2-40B4-BE49-F238E27FC236}">
+                <a16:creationId xmlns:a16="http://schemas.microsoft.com/office/drawing/2014/main" id="{1BC862CE-3060-3B1C-5272-6701827B9594}"/>
+              </a:ext>
+            </a:extLst>
+          </p:cNvPr>
+          <p:cNvPicPr>
+            <a:picLocks/>
+          </p:cNvPicPr>
+          <p:nvPr/>
+        </p:nvPicPr>
+        <p:blipFill>
+          <a:blip r:embed="rId5"/>
+          <a:srcRect r="845"/>
+          <a:stretch/>
+        </p:blipFill>
+        <p:spPr>
+          <a:xfrm>
+            <a:off x="7167803" y="0"/>
+            <a:ext cx="4100015" cy="3019750"/>
+          </a:xfrm>
+          <a:prstGeom prst="rect">
+            <a:avLst/>
+          </a:prstGeom>
+        </p:spPr>
+      </p:pic>
+      <p:sp>
+        <p:nvSpPr>
+          <p:cNvPr id="4" name="TextBox 3">
+            <a:extLst>
+              <a:ext uri="{FF2B5EF4-FFF2-40B4-BE49-F238E27FC236}">
+                <a16:creationId xmlns:a16="http://schemas.microsoft.com/office/drawing/2014/main" id="{54FE0D62-80CF-ED39-F2EC-57BC1EF1DA90}"/>
+              </a:ext>
+            </a:extLst>
+          </p:cNvPr>
+          <p:cNvSpPr txBox="1"/>
+          <p:nvPr/>
+        </p:nvSpPr>
+        <p:spPr>
+          <a:xfrm>
+            <a:off x="2178043" y="2819288"/>
+            <a:ext cx="7279105" cy="830997"/>
+          </a:xfrm>
+          <a:prstGeom prst="rect">
+            <a:avLst/>
+          </a:prstGeom>
+          <a:noFill/>
+        </p:spPr>
+        <p:txBody>
+          <a:bodyPr wrap="square" rtlCol="0">
+            <a:spAutoFit/>
+          </a:bodyPr>
+          <a:lstStyle/>
+          <a:p>
+            <a:pPr algn="ctr"/>
+            <a:r>
+              <a:rPr lang="en-US" sz="2400" dirty="0">
+                <a:latin typeface="Trebuchet MS" panose="020B0703020202090204" pitchFamily="34" charset="0"/>
+              </a:rPr>
+              <a:t>Acute stress decreases excitatory activity in the long term </a:t>
+            </a:r>
+            <a:r>
+              <a:rPr lang="en-US" sz="2400" dirty="0">
+                <a:solidFill>
+                  <a:srgbClr val="EB647E"/>
+                </a:solidFill>
+                <a:latin typeface="Trebuchet MS" panose="020B0703020202090204" pitchFamily="34" charset="0"/>
+              </a:rPr>
+              <a:t>in females but not males</a:t>
+            </a:r>
+          </a:p>
+        </p:txBody>
+      </p:sp>
+    </p:spTree>
+    <p:extLst>
+      <p:ext uri="{BB962C8B-B14F-4D97-AF65-F5344CB8AC3E}">
+        <p14:creationId xmlns:p14="http://schemas.microsoft.com/office/powerpoint/2010/main" val="2761113064"/>
+      </p:ext>
+    </p:extLst>
+  </p:cSld>
+  <p:clrMapOvr>
+    <a:masterClrMapping/>
+  </p:clrMapOvr>
+</p:sld>
+</file>
+
+<file path=ppt/slides/slide3.xml><?xml version="1.0" encoding="utf-8"?>
+<p:sld xmlns:a="http://schemas.openxmlformats.org/drawingml/2006/main" xmlns:r="http://schemas.openxmlformats.org/officeDocument/2006/relationships" xmlns:p="http://schemas.openxmlformats.org/presentationml/2006/main">
+  <p:cSld>
+    <p:bg>
+      <p:bgPr>
+        <a:solidFill>
+          <a:schemeClr val="bg1"/>
+        </a:solidFill>
+        <a:effectLst/>
+      </p:bgPr>
+    </p:bg>
+    <p:spTree>
+      <p:nvGrpSpPr>
+        <p:cNvPr id="1" name="">
+          <a:extLst>
+            <a:ext uri="{FF2B5EF4-FFF2-40B4-BE49-F238E27FC236}">
+              <a16:creationId xmlns:a16="http://schemas.microsoft.com/office/drawing/2014/main" id="{00DC0C16-9A07-6A8D-ED40-B671DFA7D779}"/>
+            </a:ext>
+          </a:extLst>
+        </p:cNvPr>
+        <p:cNvGrpSpPr/>
+        <p:nvPr/>
+      </p:nvGrpSpPr>
+      <p:grpSpPr>
+        <a:xfrm>
+          <a:off x="0" y="0"/>
+          <a:ext cx="0" cy="0"/>
+          <a:chOff x="0" y="0"/>
+          <a:chExt cx="0" cy="0"/>
+        </a:xfrm>
+      </p:grpSpPr>
+      <p:grpSp>
+        <p:nvGrpSpPr>
+          <p:cNvPr id="9" name="Group 8">
+            <a:extLst>
+              <a:ext uri="{FF2B5EF4-FFF2-40B4-BE49-F238E27FC236}">
+                <a16:creationId xmlns:a16="http://schemas.microsoft.com/office/drawing/2014/main" id="{780F017C-559F-D2BA-49ED-B9DB044F60B0}"/>
+              </a:ext>
+            </a:extLst>
+          </p:cNvPr>
+          <p:cNvGrpSpPr/>
+          <p:nvPr/>
+        </p:nvGrpSpPr>
+        <p:grpSpPr>
+          <a:xfrm>
+            <a:off x="715763" y="3343064"/>
+            <a:ext cx="10760471" cy="3342503"/>
+            <a:chOff x="631766" y="3429000"/>
+            <a:chExt cx="10760471" cy="3342503"/>
+          </a:xfrm>
+        </p:grpSpPr>
         <p:pic>
           <p:nvPicPr>
-            <p:cNvPr id="4" name="Picture 3">
+            <p:cNvPr id="3" name="Picture 2" descr="A graph with dots and lines&#10;&#10;AI-generated content may be incorrect.">
               <a:extLst>
                 <a:ext uri="{FF2B5EF4-FFF2-40B4-BE49-F238E27FC236}">
-                  <a16:creationId xmlns:a16="http://schemas.microsoft.com/office/drawing/2014/main" id="{F63F9A75-1C35-AE2F-80D2-DF87077660DF}"/>
+                  <a16:creationId xmlns:a16="http://schemas.microsoft.com/office/drawing/2014/main" id="{A4D9FD4A-CEDE-EB46-1E05-7493FDE6D7D9}"/>
                 </a:ext>
               </a:extLst>
             </p:cNvPr>
@@ -3425,14 +4222,16 @@
             <p:nvPr/>
           </p:nvPicPr>
           <p:blipFill>
-            <a:blip r:embed="rId4"/>
-            <a:srcRect/>
-            <a:stretch/>
+            <a:blip r:embed="rId2"/>
+            <a:srcRect b="11733"/>
+            <a:stretch>
+              <a:fillRect/>
+            </a:stretch>
           </p:blipFill>
           <p:spPr>
             <a:xfrm>
-              <a:off x="1273041" y="3618000"/>
-              <a:ext cx="4541659" cy="3240000"/>
+              <a:off x="631766" y="3429000"/>
+              <a:ext cx="5296239" cy="3342503"/>
             </a:xfrm>
             <a:prstGeom prst="rect">
               <a:avLst/>
@@ -3441,10 +4240,10 @@
         </p:pic>
         <p:pic>
           <p:nvPicPr>
-            <p:cNvPr id="5" name="Picture 4">
+            <p:cNvPr id="7" name="Picture 6" descr="A graph with dots and lines&#10;&#10;AI-generated content may be incorrect.">
               <a:extLst>
                 <a:ext uri="{FF2B5EF4-FFF2-40B4-BE49-F238E27FC236}">
-                  <a16:creationId xmlns:a16="http://schemas.microsoft.com/office/drawing/2014/main" id="{A2D2C581-501B-E964-9CBA-2D88F0F6B405}"/>
+                  <a16:creationId xmlns:a16="http://schemas.microsoft.com/office/drawing/2014/main" id="{10BF62DE-A69E-EC8D-0E3D-3787E49D6639}"/>
                 </a:ext>
               </a:extLst>
             </p:cNvPr>
@@ -3454,14 +4253,16 @@
             <p:nvPr/>
           </p:nvPicPr>
           <p:blipFill>
-            <a:blip r:embed="rId5"/>
-            <a:srcRect/>
-            <a:stretch/>
+            <a:blip r:embed="rId3"/>
+            <a:srcRect b="11733"/>
+            <a:stretch>
+              <a:fillRect/>
+            </a:stretch>
           </p:blipFill>
           <p:spPr>
             <a:xfrm>
-              <a:off x="5814700" y="3618000"/>
-              <a:ext cx="4533028" cy="3240000"/>
+              <a:off x="6095999" y="3429000"/>
+              <a:ext cx="5296238" cy="3342503"/>
             </a:xfrm>
             <a:prstGeom prst="rect">
               <a:avLst/>
@@ -3469,10 +4270,228 @@
           </p:spPr>
         </p:pic>
       </p:grpSp>
+      <p:sp>
+        <p:nvSpPr>
+          <p:cNvPr id="11" name="TextBox 10">
+            <a:extLst>
+              <a:ext uri="{FF2B5EF4-FFF2-40B4-BE49-F238E27FC236}">
+                <a16:creationId xmlns:a16="http://schemas.microsoft.com/office/drawing/2014/main" id="{C63A829E-A7E2-39B5-9281-A76068E56747}"/>
+              </a:ext>
+            </a:extLst>
+          </p:cNvPr>
+          <p:cNvSpPr txBox="1"/>
+          <p:nvPr/>
+        </p:nvSpPr>
+        <p:spPr>
+          <a:xfrm>
+            <a:off x="1965167" y="0"/>
+            <a:ext cx="8261665" cy="984885"/>
+          </a:xfrm>
+          <a:prstGeom prst="rect">
+            <a:avLst/>
+          </a:prstGeom>
+          <a:noFill/>
+        </p:spPr>
+        <p:txBody>
+          <a:bodyPr wrap="square" rtlCol="0">
+            <a:spAutoFit/>
+          </a:bodyPr>
+          <a:lstStyle/>
+          <a:p>
+            <a:pPr algn="ctr"/>
+            <a:r>
+              <a:rPr lang="en-US" b="1" dirty="0">
+                <a:solidFill>
+                  <a:schemeClr val="bg1"/>
+                </a:solidFill>
+                <a:latin typeface="Trebuchet MS" panose="020B0703020202090204" pitchFamily="34" charset="0"/>
+              </a:rPr>
+              <a:t>Acute Stress Decreases Activity of Appetite Regulating Neurons in the Female</a:t>
+            </a:r>
+            <a:r>
+              <a:rPr lang="en-US" b="1" dirty="0">
+                <a:latin typeface="Trebuchet MS" panose="020B0703020202090204" pitchFamily="34" charset="0"/>
+              </a:rPr>
+              <a:t> </a:t>
+            </a:r>
+            <a:r>
+              <a:rPr lang="en-US" b="1" dirty="0">
+                <a:solidFill>
+                  <a:schemeClr val="bg1"/>
+                </a:solidFill>
+                <a:latin typeface="Trebuchet MS" panose="020B0703020202090204" pitchFamily="34" charset="0"/>
+              </a:rPr>
+              <a:t>Rat</a:t>
+            </a:r>
+            <a:r>
+              <a:rPr lang="en-US" b="1" dirty="0">
+                <a:latin typeface="Trebuchet MS" panose="020B0703020202090204" pitchFamily="34" charset="0"/>
+              </a:rPr>
+              <a:t> </a:t>
+            </a:r>
+            <a:r>
+              <a:rPr lang="en-US" b="1" dirty="0">
+                <a:solidFill>
+                  <a:schemeClr val="bg1"/>
+                </a:solidFill>
+                <a:latin typeface="Trebuchet MS" panose="020B0703020202090204" pitchFamily="34" charset="0"/>
+              </a:rPr>
+              <a:t>Dorsomedial Hypothalamus</a:t>
+            </a:r>
+          </a:p>
+          <a:p>
+            <a:pPr algn="ctr"/>
+            <a:r>
+              <a:rPr lang="en-US" sz="1000" dirty="0">
+                <a:solidFill>
+                  <a:schemeClr val="bg1"/>
+                </a:solidFill>
+                <a:latin typeface="Trebuchet MS" panose="020B0703020202090204" pitchFamily="34" charset="0"/>
+              </a:rPr>
+              <a:t>Ruby Muzzatti, Dr Karen Crosby</a:t>
+            </a:r>
+          </a:p>
+          <a:p>
+            <a:pPr algn="ctr"/>
+            <a:r>
+              <a:rPr lang="en-US" sz="1000" dirty="0">
+                <a:solidFill>
+                  <a:schemeClr val="bg1"/>
+                </a:solidFill>
+                <a:latin typeface="Trebuchet MS" panose="020B0703020202090204" pitchFamily="34" charset="0"/>
+              </a:rPr>
+              <a:t>Department of Biology, Mount Allison University, Sackville, New Brunswick, Canada</a:t>
+            </a:r>
+          </a:p>
+        </p:txBody>
+      </p:sp>
+      <p:pic>
+        <p:nvPicPr>
+          <p:cNvPr id="22" name="Picture 21" descr="A diagram of a brain&#10;&#10;AI-generated content may be incorrect.">
+            <a:extLst>
+              <a:ext uri="{FF2B5EF4-FFF2-40B4-BE49-F238E27FC236}">
+                <a16:creationId xmlns:a16="http://schemas.microsoft.com/office/drawing/2014/main" id="{7721021B-5C9D-95DA-D1C5-56DCF9296E3E}"/>
+              </a:ext>
+            </a:extLst>
+          </p:cNvPr>
+          <p:cNvPicPr>
+            <a:picLocks noChangeAspect="1"/>
+          </p:cNvPicPr>
+          <p:nvPr/>
+        </p:nvPicPr>
+        <p:blipFill>
+          <a:blip r:embed="rId4"/>
+          <a:stretch>
+            <a:fillRect/>
+          </a:stretch>
+        </p:blipFill>
+        <p:spPr>
+          <a:xfrm>
+            <a:off x="7240353" y="10092"/>
+            <a:ext cx="4673906" cy="2577600"/>
+          </a:xfrm>
+          <a:prstGeom prst="rect">
+            <a:avLst/>
+          </a:prstGeom>
+        </p:spPr>
+      </p:pic>
+      <p:sp>
+        <p:nvSpPr>
+          <p:cNvPr id="4" name="TextBox 3">
+            <a:extLst>
+              <a:ext uri="{FF2B5EF4-FFF2-40B4-BE49-F238E27FC236}">
+                <a16:creationId xmlns:a16="http://schemas.microsoft.com/office/drawing/2014/main" id="{6AF86A50-A119-B8DF-00F4-966008E8E8EC}"/>
+              </a:ext>
+            </a:extLst>
+          </p:cNvPr>
+          <p:cNvSpPr txBox="1"/>
+          <p:nvPr/>
+        </p:nvSpPr>
+        <p:spPr>
+          <a:xfrm>
+            <a:off x="979447" y="2597784"/>
+            <a:ext cx="10233104" cy="830997"/>
+          </a:xfrm>
+          <a:prstGeom prst="rect">
+            <a:avLst/>
+          </a:prstGeom>
+          <a:noFill/>
+        </p:spPr>
+        <p:txBody>
+          <a:bodyPr wrap="square" rtlCol="0">
+            <a:spAutoFit/>
+          </a:bodyPr>
+          <a:lstStyle/>
+          <a:p>
+            <a:pPr algn="ctr"/>
+            <a:r>
+              <a:rPr lang="en-US" sz="2400" dirty="0">
+                <a:solidFill>
+                  <a:srgbClr val="EB647E"/>
+                </a:solidFill>
+                <a:latin typeface="Trebuchet MS" panose="020B0703020202090204" pitchFamily="34" charset="0"/>
+              </a:rPr>
+              <a:t>Acute stress </a:t>
+            </a:r>
+            <a:r>
+              <a:rPr lang="en-US" sz="2400" dirty="0">
+                <a:latin typeface="Trebuchet MS" panose="020B0703020202090204" pitchFamily="34" charset="0"/>
+              </a:rPr>
+              <a:t>decreases long term excitatory activity of neurons in the female rat dorsomedial hypothalamus</a:t>
+            </a:r>
+            <a:endParaRPr lang="en-US" sz="2400" dirty="0">
+              <a:solidFill>
+                <a:srgbClr val="EB647E"/>
+              </a:solidFill>
+              <a:latin typeface="Trebuchet MS" panose="020B0703020202090204" pitchFamily="34" charset="0"/>
+            </a:endParaRPr>
+          </a:p>
+        </p:txBody>
+      </p:sp>
+      <p:pic>
+        <p:nvPicPr>
+          <p:cNvPr id="5" name="Picture 4" descr="A close-up of a grey and pink image&#10;&#10;AI-generated content may be incorrect.">
+            <a:extLst>
+              <a:ext uri="{FF2B5EF4-FFF2-40B4-BE49-F238E27FC236}">
+                <a16:creationId xmlns:a16="http://schemas.microsoft.com/office/drawing/2014/main" id="{5F4DEF48-0E25-6CA7-A67D-33377DF92070}"/>
+              </a:ext>
+            </a:extLst>
+          </p:cNvPr>
+          <p:cNvPicPr>
+            <a:picLocks noChangeAspect="1"/>
+          </p:cNvPicPr>
+          <p:nvPr/>
+        </p:nvPicPr>
+        <p:blipFill>
+          <a:blip r:embed="rId5" cstate="print">
+            <a:extLst>
+              <a:ext uri="{28A0092B-C50C-407E-A947-70E740481C1C}">
+                <a14:useLocalDpi xmlns:a14="http://schemas.microsoft.com/office/drawing/2010/main" val="0"/>
+              </a:ext>
+            </a:extLst>
+          </a:blip>
+          <a:srcRect l="2802" t="2943" r="1685" b="3666"/>
+          <a:stretch>
+            <a:fillRect/>
+          </a:stretch>
+        </p:blipFill>
+        <p:spPr>
+          <a:xfrm>
+            <a:off x="277740" y="209504"/>
+            <a:ext cx="6504733" cy="2307600"/>
+          </a:xfrm>
+          <a:prstGeom prst="rect">
+            <a:avLst/>
+          </a:prstGeom>
+          <a:ln w="9525">
+            <a:noFill/>
+          </a:ln>
+        </p:spPr>
+      </p:pic>
     </p:spTree>
     <p:extLst>
       <p:ext uri="{BB962C8B-B14F-4D97-AF65-F5344CB8AC3E}">
-        <p14:creationId xmlns:p14="http://schemas.microsoft.com/office/powerpoint/2010/main" val="1139316360"/>
+        <p14:creationId xmlns:p14="http://schemas.microsoft.com/office/powerpoint/2010/main" val="137399320"/>
       </p:ext>
     </p:extLst>
   </p:cSld>
